--- a/Presentation1.pptx
+++ b/Presentation1.pptx
@@ -2,14 +2,15 @@
 <file path=ppt/presentation.xml><?xml version="1.0" encoding="utf-8"?>
 <p:presentation xmlns:a="http://schemas.openxmlformats.org/drawingml/2006/main" xmlns:r="http://schemas.openxmlformats.org/officeDocument/2006/relationships" xmlns:mc="http://schemas.openxmlformats.org/markup-compatibility/2006" xmlns:mv="urn:schemas-microsoft-com:mac:vml" xmlns:p="http://schemas.openxmlformats.org/presentationml/2006/main" mc:Ignorable="mv" mc:PreserveAttributes="mv:*" saveSubsetFonts="1" autoCompressPictures="0">
   <p:sldMasterIdLst>
-    <p:sldMasterId id="2147483648" r:id="rId1"/>
+    <p:sldMasterId id="2147483837" r:id="rId1"/>
   </p:sldMasterIdLst>
   <p:sldIdLst>
     <p:sldId id="256" r:id="rId2"/>
     <p:sldId id="257" r:id="rId3"/>
-    <p:sldId id="260" r:id="rId4"/>
-    <p:sldId id="258" r:id="rId5"/>
-    <p:sldId id="259" r:id="rId6"/>
+    <p:sldId id="261" r:id="rId4"/>
+    <p:sldId id="260" r:id="rId5"/>
+    <p:sldId id="258" r:id="rId6"/>
+    <p:sldId id="259" r:id="rId7"/>
   </p:sldIdLst>
   <p:sldSz cx="9144000" cy="6858000" type="screen4x3"/>
   <p:notesSz cx="6858000" cy="9144000"/>
@@ -292,7 +293,8 @@
           <a:p>
             <a:fld id="{EC8097C3-673F-624B-A5A7-1C5DA090F658}" type="datetimeFigureOut">
               <a:rPr lang="en-US" smtClean="0"/>
-              <a:t>11/7/13</a:t>
+              <a:pPr/>
+              <a:t>11/12/13</a:t>
             </a:fld>
             <a:endParaRPr lang="en-US"/>
           </a:p>
@@ -332,8 +334,9 @@
           <a:bodyPr/>
           <a:lstStyle/>
           <a:p>
-            <a:fld id="{0EDE1C4E-FFF1-5848-A7F3-13C99A2198D4}" type="slidenum">
-              <a:rPr lang="en-US" smtClean="0"/>
+            <a:fld id="{4F59604A-DDD4-4BE5-9F0F-C50D317D165F}" type="slidenum">
+              <a:rPr lang="en-US" smtClean="0"/>
+              <a:pPr/>
               <a:t>‹#›</a:t>
             </a:fld>
             <a:endParaRPr lang="en-US"/>
@@ -457,7 +460,8 @@
           <a:p>
             <a:fld id="{EC8097C3-673F-624B-A5A7-1C5DA090F658}" type="datetimeFigureOut">
               <a:rPr lang="en-US" smtClean="0"/>
-              <a:t>11/7/13</a:t>
+              <a:pPr/>
+              <a:t>11/12/13</a:t>
             </a:fld>
             <a:endParaRPr lang="en-US"/>
           </a:p>
@@ -499,6 +503,7 @@
           <a:p>
             <a:fld id="{0EDE1C4E-FFF1-5848-A7F3-13C99A2198D4}" type="slidenum">
               <a:rPr lang="en-US" smtClean="0"/>
+              <a:pPr/>
               <a:t>‹#›</a:t>
             </a:fld>
             <a:endParaRPr lang="en-US"/>
@@ -632,7 +637,8 @@
           <a:p>
             <a:fld id="{EC8097C3-673F-624B-A5A7-1C5DA090F658}" type="datetimeFigureOut">
               <a:rPr lang="en-US" smtClean="0"/>
-              <a:t>11/7/13</a:t>
+              <a:pPr/>
+              <a:t>11/12/13</a:t>
             </a:fld>
             <a:endParaRPr lang="en-US"/>
           </a:p>
@@ -674,6 +680,7 @@
           <a:p>
             <a:fld id="{0EDE1C4E-FFF1-5848-A7F3-13C99A2198D4}" type="slidenum">
               <a:rPr lang="en-US" smtClean="0"/>
+              <a:pPr/>
               <a:t>‹#›</a:t>
             </a:fld>
             <a:endParaRPr lang="en-US"/>
@@ -797,7 +804,8 @@
           <a:p>
             <a:fld id="{EC8097C3-673F-624B-A5A7-1C5DA090F658}" type="datetimeFigureOut">
               <a:rPr lang="en-US" smtClean="0"/>
-              <a:t>11/7/13</a:t>
+              <a:pPr/>
+              <a:t>11/12/13</a:t>
             </a:fld>
             <a:endParaRPr lang="en-US"/>
           </a:p>
@@ -839,6 +847,7 @@
           <a:p>
             <a:fld id="{0EDE1C4E-FFF1-5848-A7F3-13C99A2198D4}" type="slidenum">
               <a:rPr lang="en-US" smtClean="0"/>
+              <a:pPr/>
               <a:t>‹#›</a:t>
             </a:fld>
             <a:endParaRPr lang="en-US"/>
@@ -1038,7 +1047,8 @@
           <a:p>
             <a:fld id="{EC8097C3-673F-624B-A5A7-1C5DA090F658}" type="datetimeFigureOut">
               <a:rPr lang="en-US" smtClean="0"/>
-              <a:t>11/7/13</a:t>
+              <a:pPr/>
+              <a:t>11/12/13</a:t>
             </a:fld>
             <a:endParaRPr lang="en-US"/>
           </a:p>
@@ -1078,11 +1088,12 @@
           <a:bodyPr/>
           <a:lstStyle/>
           <a:p>
-            <a:fld id="{0EDE1C4E-FFF1-5848-A7F3-13C99A2198D4}" type="slidenum">
-              <a:rPr lang="en-US" smtClean="0"/>
+            <a:fld id="{96652B35-718D-4E28-AFEB-B694A3B357E8}" type="slidenum">
+              <a:rPr kumimoji="0" lang="en-US" smtClean="0"/>
+              <a:pPr/>
               <a:t>‹#›</a:t>
             </a:fld>
-            <a:endParaRPr lang="en-US"/>
+            <a:endParaRPr kumimoji="0" lang="en-US"/>
           </a:p>
         </p:txBody>
       </p:sp>
@@ -1321,7 +1332,8 @@
           <a:p>
             <a:fld id="{EC8097C3-673F-624B-A5A7-1C5DA090F658}" type="datetimeFigureOut">
               <a:rPr lang="en-US" smtClean="0"/>
-              <a:t>11/7/13</a:t>
+              <a:pPr/>
+              <a:t>11/12/13</a:t>
             </a:fld>
             <a:endParaRPr lang="en-US"/>
           </a:p>
@@ -1363,6 +1375,7 @@
           <a:p>
             <a:fld id="{0EDE1C4E-FFF1-5848-A7F3-13C99A2198D4}" type="slidenum">
               <a:rPr lang="en-US" smtClean="0"/>
+              <a:pPr/>
               <a:t>‹#›</a:t>
             </a:fld>
             <a:endParaRPr lang="en-US"/>
@@ -1738,7 +1751,8 @@
           <a:p>
             <a:fld id="{EC8097C3-673F-624B-A5A7-1C5DA090F658}" type="datetimeFigureOut">
               <a:rPr lang="en-US" smtClean="0"/>
-              <a:t>11/7/13</a:t>
+              <a:pPr/>
+              <a:t>11/12/13</a:t>
             </a:fld>
             <a:endParaRPr lang="en-US"/>
           </a:p>
@@ -1780,6 +1794,7 @@
           <a:p>
             <a:fld id="{0EDE1C4E-FFF1-5848-A7F3-13C99A2198D4}" type="slidenum">
               <a:rPr lang="en-US" smtClean="0"/>
+              <a:pPr/>
               <a:t>‹#›</a:t>
             </a:fld>
             <a:endParaRPr lang="en-US"/>
@@ -1851,7 +1866,8 @@
           <a:p>
             <a:fld id="{EC8097C3-673F-624B-A5A7-1C5DA090F658}" type="datetimeFigureOut">
               <a:rPr lang="en-US" smtClean="0"/>
-              <a:t>11/7/13</a:t>
+              <a:pPr/>
+              <a:t>11/12/13</a:t>
             </a:fld>
             <a:endParaRPr lang="en-US"/>
           </a:p>
@@ -1893,6 +1909,7 @@
           <a:p>
             <a:fld id="{0EDE1C4E-FFF1-5848-A7F3-13C99A2198D4}" type="slidenum">
               <a:rPr lang="en-US" smtClean="0"/>
+              <a:pPr/>
               <a:t>‹#›</a:t>
             </a:fld>
             <a:endParaRPr lang="en-US"/>
@@ -1941,7 +1958,8 @@
           <a:p>
             <a:fld id="{EC8097C3-673F-624B-A5A7-1C5DA090F658}" type="datetimeFigureOut">
               <a:rPr lang="en-US" smtClean="0"/>
-              <a:t>11/7/13</a:t>
+              <a:pPr/>
+              <a:t>11/12/13</a:t>
             </a:fld>
             <a:endParaRPr lang="en-US"/>
           </a:p>
@@ -1983,6 +2001,7 @@
           <a:p>
             <a:fld id="{0EDE1C4E-FFF1-5848-A7F3-13C99A2198D4}" type="slidenum">
               <a:rPr lang="en-US" smtClean="0"/>
+              <a:pPr/>
               <a:t>‹#›</a:t>
             </a:fld>
             <a:endParaRPr lang="en-US"/>
@@ -2213,7 +2232,8 @@
           <a:p>
             <a:fld id="{EC8097C3-673F-624B-A5A7-1C5DA090F658}" type="datetimeFigureOut">
               <a:rPr lang="en-US" smtClean="0"/>
-              <a:t>11/7/13</a:t>
+              <a:pPr/>
+              <a:t>11/12/13</a:t>
             </a:fld>
             <a:endParaRPr lang="en-US"/>
           </a:p>
@@ -2255,6 +2275,7 @@
           <a:p>
             <a:fld id="{0EDE1C4E-FFF1-5848-A7F3-13C99A2198D4}" type="slidenum">
               <a:rPr lang="en-US" smtClean="0"/>
+              <a:pPr/>
               <a:t>‹#›</a:t>
             </a:fld>
             <a:endParaRPr lang="en-US"/>
@@ -2461,7 +2482,8 @@
           <a:p>
             <a:fld id="{EC8097C3-673F-624B-A5A7-1C5DA090F658}" type="datetimeFigureOut">
               <a:rPr lang="en-US" smtClean="0"/>
-              <a:t>11/7/13</a:t>
+              <a:pPr/>
+              <a:t>11/12/13</a:t>
             </a:fld>
             <a:endParaRPr lang="en-US"/>
           </a:p>
@@ -2503,6 +2525,7 @@
           <a:p>
             <a:fld id="{0EDE1C4E-FFF1-5848-A7F3-13C99A2198D4}" type="slidenum">
               <a:rPr lang="en-US" smtClean="0"/>
+              <a:pPr/>
               <a:t>‹#›</a:t>
             </a:fld>
             <a:endParaRPr lang="en-US"/>
@@ -2669,7 +2692,8 @@
           <a:p>
             <a:fld id="{EC8097C3-673F-624B-A5A7-1C5DA090F658}" type="datetimeFigureOut">
               <a:rPr lang="en-US" smtClean="0"/>
-              <a:t>11/7/13</a:t>
+              <a:pPr/>
+              <a:t>11/12/13</a:t>
             </a:fld>
             <a:endParaRPr lang="en-US"/>
           </a:p>
@@ -2747,6 +2771,7 @@
           <a:p>
             <a:fld id="{0EDE1C4E-FFF1-5848-A7F3-13C99A2198D4}" type="slidenum">
               <a:rPr lang="en-US" smtClean="0"/>
+              <a:pPr/>
               <a:t>‹#›</a:t>
             </a:fld>
             <a:endParaRPr lang="en-US"/>
@@ -2757,17 +2782,17 @@
   </p:cSld>
   <p:clrMap bg1="lt1" tx1="dk1" bg2="lt2" tx2="dk2" accent1="accent1" accent2="accent2" accent3="accent3" accent4="accent4" accent5="accent5" accent6="accent6" hlink="hlink" folHlink="folHlink"/>
   <p:sldLayoutIdLst>
-    <p:sldLayoutId id="2147483649" r:id="rId1"/>
-    <p:sldLayoutId id="2147483650" r:id="rId2"/>
-    <p:sldLayoutId id="2147483651" r:id="rId3"/>
-    <p:sldLayoutId id="2147483652" r:id="rId4"/>
-    <p:sldLayoutId id="2147483653" r:id="rId5"/>
-    <p:sldLayoutId id="2147483654" r:id="rId6"/>
-    <p:sldLayoutId id="2147483655" r:id="rId7"/>
-    <p:sldLayoutId id="2147483656" r:id="rId8"/>
-    <p:sldLayoutId id="2147483657" r:id="rId9"/>
-    <p:sldLayoutId id="2147483658" r:id="rId10"/>
-    <p:sldLayoutId id="2147483659" r:id="rId11"/>
+    <p:sldLayoutId id="2147483838" r:id="rId1"/>
+    <p:sldLayoutId id="2147483839" r:id="rId2"/>
+    <p:sldLayoutId id="2147483840" r:id="rId3"/>
+    <p:sldLayoutId id="2147483841" r:id="rId4"/>
+    <p:sldLayoutId id="2147483842" r:id="rId5"/>
+    <p:sldLayoutId id="2147483843" r:id="rId6"/>
+    <p:sldLayoutId id="2147483844" r:id="rId7"/>
+    <p:sldLayoutId id="2147483845" r:id="rId8"/>
+    <p:sldLayoutId id="2147483846" r:id="rId9"/>
+    <p:sldLayoutId id="2147483847" r:id="rId10"/>
+    <p:sldLayoutId id="2147483848" r:id="rId11"/>
   </p:sldLayoutIdLst>
   <p:txStyles>
     <p:titleStyle>
@@ -3051,37 +3076,20 @@
         </p:nvSpPr>
         <p:spPr/>
         <p:txBody>
-          <a:bodyPr/>
-          <a:lstStyle/>
-          <a:p>
-            <a:r>
-              <a:rPr lang="en-US" dirty="0" err="1" smtClean="0"/>
-              <a:t>Bassline</a:t>
-            </a:r>
+          <a:bodyPr>
+            <a:normAutofit/>
+          </a:bodyPr>
+          <a:lstStyle/>
+          <a:p>
             <a:r>
               <a:rPr lang="en-US" dirty="0" smtClean="0"/>
-              <a:t> Contour Detection for Polyphonic Music </a:t>
+              <a:t>Bass Line </a:t>
+            </a:r>
+            <a:r>
+              <a:rPr lang="en-US" dirty="0" smtClean="0"/>
+              <a:t>Contour Detection for Polyphonic Music </a:t>
             </a:r>
             <a:endParaRPr lang="en-US" dirty="0"/>
-          </a:p>
-        </p:txBody>
-      </p:sp>
-      <p:sp>
-        <p:nvSpPr>
-          <p:cNvPr id="3" name="Subtitle 2"/>
-          <p:cNvSpPr>
-            <a:spLocks noGrp="1"/>
-          </p:cNvSpPr>
-          <p:nvPr>
-            <p:ph type="subTitle" idx="1"/>
-          </p:nvPr>
-        </p:nvSpPr>
-        <p:spPr/>
-        <p:txBody>
-          <a:bodyPr/>
-          <a:lstStyle/>
-          <a:p>
-            <a:endParaRPr lang="en-US"/>
           </a:p>
         </p:txBody>
       </p:sp>
@@ -3090,6 +3098,13 @@
   <p:clrMapOvr>
     <a:masterClrMapping/>
   </p:clrMapOvr>
+  <p:timing>
+    <p:tnLst>
+      <p:par>
+        <p:cTn id="1" dur="indefinite" restart="never" nodeType="tmRoot"/>
+      </p:par>
+    </p:tnLst>
+  </p:timing>
 </p:sld>
 </file>
 
@@ -3149,59 +3164,54 @@
           <a:lstStyle/>
           <a:p>
             <a:r>
+              <a:rPr lang="en-US" b="1" dirty="0" smtClean="0"/>
+              <a:t>Bass Line</a:t>
+            </a:r>
+            <a:r>
               <a:rPr lang="en-US" dirty="0" smtClean="0"/>
-              <a:t>A </a:t>
-            </a:r>
-            <a:r>
-              <a:rPr lang="en-US" dirty="0" err="1" smtClean="0"/>
-              <a:t>bassline</a:t>
+              <a:t> </a:t>
             </a:r>
             <a:r>
               <a:rPr lang="en-US" dirty="0" smtClean="0"/>
-              <a:t> is the lowest register melody line played by a rhythm section instrument such as the electric bass, double bass, cello, tuba, organ or keyboard.</a:t>
-            </a:r>
-          </a:p>
-          <a:p>
-            <a:endParaRPr lang="en-US" dirty="0" smtClean="0"/>
-          </a:p>
-          <a:p>
+              <a:t>is the lowest register melody line played by a rhythm section instrument such as the electric bass, double bass, cello, tuba, organ or keyboard</a:t>
+            </a:r>
             <a:r>
               <a:rPr lang="en-US" dirty="0" smtClean="0"/>
-              <a:t>Detect this</a:t>
+              <a:t>.</a:t>
+            </a:r>
+          </a:p>
+          <a:p>
+            <a:r>
+              <a:rPr lang="en-US" b="1" dirty="0" smtClean="0"/>
+              <a:t>Contour </a:t>
+            </a:r>
+            <a:r>
+              <a:rPr lang="en-US" dirty="0" smtClean="0"/>
+              <a:t>is the outline/shape/form</a:t>
+            </a:r>
+            <a:endParaRPr lang="en-US" b="1" dirty="0" smtClean="0"/>
+          </a:p>
+          <a:p>
+            <a:r>
+              <a:rPr lang="en-US" dirty="0" smtClean="0"/>
+              <a:t>Detect the above in polyphonic music.</a:t>
             </a:r>
             <a:endParaRPr lang="en-US" dirty="0"/>
           </a:p>
         </p:txBody>
       </p:sp>
-      <p:pic>
-        <p:nvPicPr>
-          <p:cNvPr id="11" name="Picture 10" descr="arrow_curved_blue.png"/>
-          <p:cNvPicPr>
-            <a:picLocks noChangeAspect="1"/>
-          </p:cNvPicPr>
-          <p:nvPr/>
-        </p:nvPicPr>
-        <p:blipFill>
-          <a:blip r:embed="rId2"/>
-          <a:stretch>
-            <a:fillRect/>
-          </a:stretch>
-        </p:blipFill>
-        <p:spPr>
-          <a:xfrm rot="19102578" flipV="1">
-            <a:off x="2037472" y="4233023"/>
-            <a:ext cx="1789542" cy="934575"/>
-          </a:xfrm>
-          <a:prstGeom prst="rect">
-            <a:avLst/>
-          </a:prstGeom>
-        </p:spPr>
-      </p:pic>
     </p:spTree>
   </p:cSld>
   <p:clrMapOvr>
     <a:masterClrMapping/>
   </p:clrMapOvr>
+  <p:timing>
+    <p:tnLst>
+      <p:par>
+        <p:cTn id="1" dur="indefinite" restart="never" nodeType="tmRoot"/>
+      </p:par>
+    </p:tnLst>
+  </p:timing>
 </p:sld>
 </file>
 
@@ -3239,7 +3249,7 @@
           <a:p>
             <a:r>
               <a:rPr lang="en-US" dirty="0" smtClean="0"/>
-              <a:t>Related Work</a:t>
+              <a:t>Why?</a:t>
             </a:r>
             <a:endParaRPr lang="en-US" dirty="0"/>
           </a:p>
@@ -3257,108 +3267,86 @@
         </p:nvSpPr>
         <p:spPr/>
         <p:txBody>
-          <a:bodyPr/>
-          <a:lstStyle/>
-          <a:p>
-            <a:r>
-              <a:rPr lang="en-US" sz="2400" dirty="0"/>
-              <a:t>A Real-time Music Scene Description </a:t>
-            </a:r>
-            <a:r>
-              <a:rPr lang="en-US" sz="2400" dirty="0" smtClean="0"/>
-              <a:t>System: Detecting </a:t>
-            </a:r>
-            <a:r>
-              <a:rPr lang="en-US" sz="2400" dirty="0"/>
-              <a:t>Melody and Bass Lines in Audio </a:t>
-            </a:r>
-            <a:r>
-              <a:rPr lang="en-US" sz="2400" dirty="0" smtClean="0"/>
-              <a:t>Signals - </a:t>
-            </a:r>
-            <a:r>
-              <a:rPr lang="en-US" sz="2400" dirty="0" err="1"/>
-              <a:t>Masataka</a:t>
-            </a:r>
-            <a:r>
-              <a:rPr lang="en-US" sz="2400" dirty="0"/>
-              <a:t> </a:t>
-            </a:r>
-            <a:r>
-              <a:rPr lang="en-US" sz="2400" dirty="0" err="1" smtClean="0"/>
-              <a:t>Goto</a:t>
-            </a:r>
-            <a:r>
-              <a:rPr lang="en-US" sz="2400" dirty="0" smtClean="0"/>
-              <a:t> and </a:t>
-            </a:r>
-            <a:r>
-              <a:rPr lang="en-US" sz="2400" dirty="0"/>
-              <a:t>Satoru </a:t>
-            </a:r>
-            <a:r>
-              <a:rPr lang="en-US" sz="2400" dirty="0" err="1" smtClean="0"/>
-              <a:t>Hayamizu</a:t>
-            </a:r>
-            <a:endParaRPr lang="en-US" sz="2400" dirty="0" smtClean="0"/>
-          </a:p>
-          <a:p>
-            <a:r>
-              <a:rPr lang="en-US" sz="2400" dirty="0" smtClean="0"/>
-              <a:t>Automatic Bass Line Transcription from Streaming Polyphonic Audio - </a:t>
-            </a:r>
-            <a:r>
-              <a:rPr lang="en-US" sz="2400" dirty="0" err="1" smtClean="0"/>
-              <a:t>Matti</a:t>
-            </a:r>
-            <a:r>
-              <a:rPr lang="en-US" sz="2400" dirty="0" smtClean="0"/>
-              <a:t> </a:t>
-            </a:r>
-            <a:r>
-              <a:rPr lang="en-US" sz="2400" dirty="0" err="1" smtClean="0"/>
-              <a:t>Ryyna¨</a:t>
-            </a:r>
-            <a:r>
-              <a:rPr lang="en-US" sz="2400" dirty="0" err="1"/>
-              <a:t>anen</a:t>
-            </a:r>
-            <a:r>
-              <a:rPr lang="en-US" sz="2400" dirty="0"/>
-              <a:t> and </a:t>
-            </a:r>
-            <a:r>
-              <a:rPr lang="en-US" sz="2400" dirty="0" err="1"/>
-              <a:t>Anssi</a:t>
-            </a:r>
-            <a:r>
-              <a:rPr lang="en-US" sz="2400" dirty="0"/>
-              <a:t> </a:t>
-            </a:r>
-            <a:r>
-              <a:rPr lang="en-US" sz="2400" dirty="0" err="1"/>
-              <a:t>Klapuri</a:t>
-            </a:r>
-            <a:endParaRPr lang="en-US" sz="2400" dirty="0" smtClean="0"/>
-          </a:p>
-          <a:p>
-            <a:r>
-              <a:rPr lang="en-US" sz="2400" dirty="0"/>
-              <a:t>YIN, a fundamental frequency estimator for speech and </a:t>
-            </a:r>
-            <a:r>
-              <a:rPr lang="en-US" sz="2400" dirty="0" smtClean="0"/>
-              <a:t>music - </a:t>
-            </a:r>
-            <a:r>
-              <a:rPr lang="en-US" sz="2400" dirty="0"/>
-              <a:t> Alain de </a:t>
-            </a:r>
-            <a:r>
-              <a:rPr lang="en-US" sz="2400" dirty="0" err="1"/>
-              <a:t>Cheveigne</a:t>
-            </a:r>
-            <a:endParaRPr lang="en-US" sz="2400" dirty="0"/>
+          <a:bodyPr>
+            <a:normAutofit fontScale="92500" lnSpcReduction="20000"/>
+          </a:bodyPr>
+          <a:lstStyle/>
+          <a:p>
+            <a:r>
+              <a:rPr lang="en-US" dirty="0" smtClean="0"/>
+              <a:t>Bass Lines </a:t>
+            </a:r>
+            <a:r>
+              <a:rPr lang="en-US" dirty="0" smtClean="0"/>
+              <a:t>have inherent advantages in single instrument pitch detection over other instruments from polyphonic music</a:t>
+            </a:r>
+          </a:p>
+          <a:p>
+            <a:pPr lvl="1"/>
+            <a:r>
+              <a:rPr lang="en-US" dirty="0" smtClean="0"/>
+              <a:t>Single notes</a:t>
+            </a:r>
+          </a:p>
+          <a:p>
+            <a:pPr lvl="1"/>
+            <a:r>
+              <a:rPr lang="en-US" dirty="0" smtClean="0"/>
+              <a:t>Lowest pitched</a:t>
+            </a:r>
+          </a:p>
+          <a:p>
+            <a:pPr lvl="1"/>
+            <a:r>
+              <a:rPr lang="en-US" dirty="0" smtClean="0"/>
+              <a:t>Relative high amplitude</a:t>
+            </a:r>
+          </a:p>
+          <a:p>
+            <a:r>
+              <a:rPr lang="en-US" dirty="0" smtClean="0"/>
+              <a:t>Applications</a:t>
+            </a:r>
+          </a:p>
+          <a:p>
+            <a:pPr lvl="1"/>
+            <a:r>
+              <a:rPr lang="en-US" dirty="0" smtClean="0"/>
+              <a:t>Learning</a:t>
+            </a:r>
+          </a:p>
+          <a:p>
+            <a:pPr lvl="1"/>
+            <a:r>
+              <a:rPr lang="en-US" dirty="0" smtClean="0"/>
+              <a:t>Selective equalization/Change mixing</a:t>
+            </a:r>
+          </a:p>
+          <a:p>
+            <a:pPr lvl="1"/>
+            <a:r>
+              <a:rPr lang="en-US" dirty="0" smtClean="0"/>
+              <a:t>Bass Karaoke</a:t>
+            </a:r>
+          </a:p>
+          <a:p>
+            <a:pPr lvl="1"/>
+            <a:r>
+              <a:rPr lang="en-US" dirty="0" smtClean="0"/>
+              <a:t>Help detecting other instruments</a:t>
+            </a:r>
+          </a:p>
+          <a:p>
+            <a:pPr lvl="1"/>
+            <a:endParaRPr lang="en-US" dirty="0" smtClean="0"/>
+          </a:p>
+          <a:p>
+            <a:pPr lvl="1"/>
+            <a:endParaRPr lang="en-US" dirty="0" smtClean="0"/>
+          </a:p>
+          <a:p>
+            <a:pPr lvl="2"/>
+            <a:endParaRPr lang="en-US" dirty="0"/>
           </a:p>
         </p:txBody>
       </p:sp>
@@ -3367,6 +3355,13 @@
   <p:clrMapOvr>
     <a:masterClrMapping/>
   </p:clrMapOvr>
+  <p:timing>
+    <p:tnLst>
+      <p:par>
+        <p:cTn id="1" dur="indefinite" restart="never" nodeType="tmRoot"/>
+      </p:par>
+    </p:tnLst>
+  </p:timing>
 </p:sld>
 </file>
 
@@ -3404,7 +3399,7 @@
           <a:p>
             <a:r>
               <a:rPr lang="en-US" dirty="0" smtClean="0"/>
-              <a:t>Approach</a:t>
+              <a:t>Related Work</a:t>
             </a:r>
             <a:endParaRPr lang="en-US" dirty="0"/>
           </a:p>
@@ -3422,10 +3417,133 @@
         </p:nvSpPr>
         <p:spPr/>
         <p:txBody>
-          <a:bodyPr/>
-          <a:lstStyle/>
-          <a:p>
-            <a:endParaRPr lang="en-US" dirty="0"/>
+          <a:bodyPr>
+            <a:normAutofit/>
+          </a:bodyPr>
+          <a:lstStyle/>
+          <a:p>
+            <a:r>
+              <a:rPr lang="en-US" sz="2400" dirty="0"/>
+              <a:t>A Real-time Music Scene Description </a:t>
+            </a:r>
+            <a:r>
+              <a:rPr lang="en-US" sz="2400" dirty="0" smtClean="0"/>
+              <a:t>System: Detecting </a:t>
+            </a:r>
+            <a:r>
+              <a:rPr lang="en-US" sz="2400" dirty="0"/>
+              <a:t>Melody and Bass Lines in Audio </a:t>
+            </a:r>
+            <a:r>
+              <a:rPr lang="en-US" sz="2400" dirty="0" smtClean="0"/>
+              <a:t>Signals - </a:t>
+            </a:r>
+            <a:r>
+              <a:rPr lang="en-US" sz="2400" dirty="0" err="1"/>
+              <a:t>Masataka</a:t>
+            </a:r>
+            <a:r>
+              <a:rPr lang="en-US" sz="2400" dirty="0"/>
+              <a:t> </a:t>
+            </a:r>
+            <a:r>
+              <a:rPr lang="en-US" sz="2400" dirty="0" err="1" smtClean="0"/>
+              <a:t>Goto</a:t>
+            </a:r>
+            <a:r>
+              <a:rPr lang="en-US" sz="2400" dirty="0" smtClean="0"/>
+              <a:t> and </a:t>
+            </a:r>
+            <a:r>
+              <a:rPr lang="en-US" sz="2400" dirty="0"/>
+              <a:t>Satoru </a:t>
+            </a:r>
+            <a:r>
+              <a:rPr lang="en-US" sz="2400" dirty="0" err="1" smtClean="0"/>
+              <a:t>Hayamizu</a:t>
+            </a:r>
+            <a:endParaRPr lang="en-US" sz="2400" dirty="0" smtClean="0"/>
+          </a:p>
+          <a:p>
+            <a:r>
+              <a:rPr lang="en-US" sz="2400" dirty="0" smtClean="0"/>
+              <a:t>Automatic Bass Line Transcription from Streaming Polyphonic Audio - </a:t>
+            </a:r>
+            <a:r>
+              <a:rPr lang="en-US" sz="2400" dirty="0" err="1" smtClean="0"/>
+              <a:t>Matti</a:t>
+            </a:r>
+            <a:r>
+              <a:rPr lang="en-US" sz="2400" dirty="0" smtClean="0"/>
+              <a:t> </a:t>
+            </a:r>
+            <a:r>
+              <a:rPr lang="en-US" sz="2400" dirty="0" err="1" smtClean="0"/>
+              <a:t>Ryynaanen</a:t>
+            </a:r>
+            <a:r>
+              <a:rPr lang="en-US" sz="2400" dirty="0" smtClean="0"/>
+              <a:t> </a:t>
+            </a:r>
+            <a:r>
+              <a:rPr lang="en-US" sz="2400" dirty="0"/>
+              <a:t>and </a:t>
+            </a:r>
+            <a:r>
+              <a:rPr lang="en-US" sz="2400" dirty="0" err="1"/>
+              <a:t>Anssi</a:t>
+            </a:r>
+            <a:r>
+              <a:rPr lang="en-US" sz="2400" dirty="0"/>
+              <a:t> </a:t>
+            </a:r>
+            <a:r>
+              <a:rPr lang="en-US" sz="2400" dirty="0" err="1" smtClean="0"/>
+              <a:t>Klapuri</a:t>
+            </a:r>
+            <a:endParaRPr lang="en-US" sz="2400" dirty="0" smtClean="0"/>
+          </a:p>
+          <a:p>
+            <a:r>
+              <a:rPr lang="en-US" sz="2400" dirty="0" smtClean="0"/>
+              <a:t>Automatic Bass Line Transcription from Polyphonic Music</a:t>
+            </a:r>
+            <a:r>
+              <a:rPr lang="en-US" sz="2400" dirty="0" smtClean="0"/>
+              <a:t> – Stephen W. </a:t>
+            </a:r>
+            <a:r>
+              <a:rPr lang="en-US" sz="2400" dirty="0" err="1" smtClean="0"/>
+              <a:t>Hainsworth</a:t>
+            </a:r>
+            <a:r>
+              <a:rPr lang="en-US" sz="2400" dirty="0" smtClean="0"/>
+              <a:t> and Malcolm D. Macleod</a:t>
+            </a:r>
+            <a:endParaRPr lang="en-US" sz="2400" dirty="0" smtClean="0"/>
+          </a:p>
+          <a:p>
+            <a:r>
+              <a:rPr lang="en-US" sz="2400" dirty="0" smtClean="0"/>
+              <a:t>YIN</a:t>
+            </a:r>
+            <a:r>
+              <a:rPr lang="en-US" sz="2400" dirty="0"/>
+              <a:t>, a fundamental frequency estimator for speech and </a:t>
+            </a:r>
+            <a:r>
+              <a:rPr lang="en-US" sz="2400" dirty="0" smtClean="0"/>
+              <a:t>music - </a:t>
+            </a:r>
+            <a:r>
+              <a:rPr lang="en-US" sz="2400" dirty="0"/>
+              <a:t> Alain de </a:t>
+            </a:r>
+            <a:r>
+              <a:rPr lang="en-US" sz="2400" dirty="0" err="1"/>
+              <a:t>Cheveigne</a:t>
+            </a:r>
+            <a:endParaRPr lang="en-US" sz="2400" dirty="0"/>
           </a:p>
         </p:txBody>
       </p:sp>
@@ -3434,6 +3552,13 @@
   <p:clrMapOvr>
     <a:masterClrMapping/>
   </p:clrMapOvr>
+  <p:timing>
+    <p:tnLst>
+      <p:par>
+        <p:cTn id="1" dur="indefinite" restart="never" nodeType="tmRoot"/>
+      </p:par>
+    </p:tnLst>
+  </p:timing>
 </p:sld>
 </file>
 
@@ -3471,7 +3596,7 @@
           <a:p>
             <a:r>
               <a:rPr lang="en-US" dirty="0" smtClean="0"/>
-              <a:t>Resources</a:t>
+              <a:t>Approach</a:t>
             </a:r>
             <a:endParaRPr lang="en-US" dirty="0"/>
           </a:p>
@@ -3489,10 +3614,138 @@
         </p:nvSpPr>
         <p:spPr/>
         <p:txBody>
-          <a:bodyPr/>
-          <a:lstStyle/>
-          <a:p>
-            <a:endParaRPr lang="en-US"/>
+          <a:bodyPr>
+            <a:normAutofit fontScale="62500" lnSpcReduction="20000"/>
+          </a:bodyPr>
+          <a:lstStyle/>
+          <a:p>
+            <a:r>
+              <a:rPr lang="en-US" sz="3789" dirty="0" smtClean="0"/>
+              <a:t>Key detection of audio </a:t>
+            </a:r>
+            <a:r>
+              <a:rPr lang="en-US" sz="3789" dirty="0" smtClean="0"/>
+              <a:t>file</a:t>
+            </a:r>
+          </a:p>
+          <a:p>
+            <a:r>
+              <a:rPr lang="en-US" sz="3789" dirty="0" smtClean="0"/>
+              <a:t>Band pass</a:t>
+            </a:r>
+            <a:r>
+              <a:rPr lang="en-US" sz="3789" dirty="0" smtClean="0"/>
+              <a:t> filter </a:t>
+            </a:r>
+            <a:r>
+              <a:rPr lang="en-US" sz="3789" dirty="0" smtClean="0"/>
+              <a:t>– 32.7 to 246.9 Hz (C1 to B4</a:t>
+            </a:r>
+            <a:r>
+              <a:rPr lang="en-US" sz="3789" dirty="0" smtClean="0"/>
+              <a:t>)</a:t>
+            </a:r>
+          </a:p>
+          <a:p>
+            <a:r>
+              <a:rPr lang="en-US" sz="3789" dirty="0" smtClean="0"/>
+              <a:t>Constant </a:t>
+            </a:r>
+            <a:r>
+              <a:rPr lang="en-US" sz="3789" dirty="0" smtClean="0"/>
+              <a:t>Q-</a:t>
+            </a:r>
+            <a:r>
+              <a:rPr lang="en-US" sz="3789" dirty="0" smtClean="0"/>
+              <a:t>Transform</a:t>
+            </a:r>
+          </a:p>
+          <a:p>
+            <a:r>
+              <a:rPr lang="en-US" sz="3789" dirty="0" smtClean="0"/>
+              <a:t>Bass note onset detection</a:t>
+            </a:r>
+          </a:p>
+          <a:p>
+            <a:pPr lvl="1"/>
+            <a:r>
+              <a:rPr lang="en-US" sz="3789" dirty="0" smtClean="0"/>
+              <a:t>Instantaneous Frequency?</a:t>
+            </a:r>
+          </a:p>
+          <a:p>
+            <a:r>
+              <a:rPr lang="en-US" sz="3789" dirty="0" smtClean="0"/>
+              <a:t>Bass</a:t>
+            </a:r>
+            <a:r>
+              <a:rPr lang="en-US" sz="3789" dirty="0" smtClean="0"/>
+              <a:t> Line </a:t>
+            </a:r>
+            <a:r>
+              <a:rPr lang="en-US" sz="3789" dirty="0" smtClean="0"/>
+              <a:t>F0 candidate </a:t>
+            </a:r>
+            <a:r>
+              <a:rPr lang="en-US" sz="3789" dirty="0" smtClean="0"/>
+              <a:t>selection and </a:t>
+            </a:r>
+            <a:r>
+              <a:rPr lang="en-US" sz="3789" dirty="0" smtClean="0"/>
+              <a:t>match </a:t>
+            </a:r>
+            <a:r>
+              <a:rPr lang="en-US" sz="3789" dirty="0" smtClean="0"/>
+              <a:t>with </a:t>
+            </a:r>
+            <a:r>
+              <a:rPr lang="en-US" sz="3789" dirty="0" smtClean="0"/>
+              <a:t>key:</a:t>
+            </a:r>
+          </a:p>
+          <a:p>
+            <a:pPr lvl="1"/>
+            <a:r>
+              <a:rPr lang="en-US" sz="3789" dirty="0" smtClean="0"/>
+              <a:t>ACF, AMDF, ZC </a:t>
+            </a:r>
+          </a:p>
+          <a:p>
+            <a:pPr lvl="1"/>
+            <a:r>
+              <a:rPr lang="en-US" sz="3789" dirty="0" smtClean="0"/>
+              <a:t>HPF</a:t>
+            </a:r>
+            <a:endParaRPr lang="en-US" sz="3789" dirty="0" smtClean="0"/>
+          </a:p>
+          <a:p>
+            <a:pPr lvl="1"/>
+            <a:r>
+              <a:rPr lang="en-US" sz="3789" dirty="0" smtClean="0"/>
+              <a:t>Increase frequency resolution</a:t>
+            </a:r>
+            <a:endParaRPr lang="en-US" sz="3789" dirty="0" smtClean="0"/>
+          </a:p>
+          <a:p>
+            <a:r>
+              <a:rPr lang="en-US" sz="3789" dirty="0" smtClean="0"/>
+              <a:t>* Repeat above steps for multi-rate</a:t>
+            </a:r>
+          </a:p>
+          <a:p>
+            <a:r>
+              <a:rPr lang="en-US" sz="3789" dirty="0" smtClean="0"/>
+              <a:t>* HMM</a:t>
+            </a:r>
+          </a:p>
+          <a:p>
+            <a:endParaRPr lang="en-US" dirty="0" smtClean="0"/>
+          </a:p>
+          <a:p>
+            <a:endParaRPr lang="en-US" dirty="0" smtClean="0"/>
+          </a:p>
+          <a:p>
+            <a:endParaRPr lang="en-US" dirty="0"/>
           </a:p>
         </p:txBody>
       </p:sp>
@@ -3501,6 +3754,99 @@
   <p:clrMapOvr>
     <a:masterClrMapping/>
   </p:clrMapOvr>
+  <p:timing>
+    <p:tnLst>
+      <p:par>
+        <p:cTn id="1" dur="indefinite" restart="never" nodeType="tmRoot"/>
+      </p:par>
+    </p:tnLst>
+  </p:timing>
+</p:sld>
+</file>
+
+<file path=ppt/slides/slide6.xml><?xml version="1.0" encoding="utf-8"?>
+<p:sld xmlns:a="http://schemas.openxmlformats.org/drawingml/2006/main" xmlns:r="http://schemas.openxmlformats.org/officeDocument/2006/relationships" xmlns:mc="http://schemas.openxmlformats.org/markup-compatibility/2006" xmlns:mv="urn:schemas-microsoft-com:mac:vml" xmlns:p="http://schemas.openxmlformats.org/presentationml/2006/main" mc:Ignorable="mv" mc:PreserveAttributes="mv:*">
+  <p:cSld>
+    <p:spTree>
+      <p:nvGrpSpPr>
+        <p:cNvPr id="1" name=""/>
+        <p:cNvGrpSpPr/>
+        <p:nvPr/>
+      </p:nvGrpSpPr>
+      <p:grpSpPr>
+        <a:xfrm>
+          <a:off x="0" y="0"/>
+          <a:ext cx="0" cy="0"/>
+          <a:chOff x="0" y="0"/>
+          <a:chExt cx="0" cy="0"/>
+        </a:xfrm>
+      </p:grpSpPr>
+      <p:sp>
+        <p:nvSpPr>
+          <p:cNvPr id="2" name="Title 1"/>
+          <p:cNvSpPr>
+            <a:spLocks noGrp="1"/>
+          </p:cNvSpPr>
+          <p:nvPr>
+            <p:ph type="title"/>
+          </p:nvPr>
+        </p:nvSpPr>
+        <p:spPr/>
+        <p:txBody>
+          <a:bodyPr/>
+          <a:lstStyle/>
+          <a:p>
+            <a:r>
+              <a:rPr lang="en-US" dirty="0" smtClean="0"/>
+              <a:t>Resources</a:t>
+            </a:r>
+            <a:endParaRPr lang="en-US" dirty="0"/>
+          </a:p>
+        </p:txBody>
+      </p:sp>
+      <p:sp>
+        <p:nvSpPr>
+          <p:cNvPr id="3" name="Content Placeholder 2"/>
+          <p:cNvSpPr>
+            <a:spLocks noGrp="1"/>
+          </p:cNvSpPr>
+          <p:nvPr>
+            <p:ph idx="1"/>
+          </p:nvPr>
+        </p:nvSpPr>
+        <p:spPr/>
+        <p:txBody>
+          <a:bodyPr/>
+          <a:lstStyle/>
+          <a:p>
+            <a:r>
+              <a:rPr lang="en-US" dirty="0" smtClean="0"/>
+              <a:t>10 self annotated audio files, 20 seconds </a:t>
+            </a:r>
+            <a:r>
+              <a:rPr lang="en-US" dirty="0" smtClean="0"/>
+              <a:t>long, Pop </a:t>
+            </a:r>
+            <a:r>
+              <a:rPr lang="en-US" dirty="0" smtClean="0"/>
+              <a:t>music</a:t>
+            </a:r>
+            <a:endParaRPr lang="en-US" dirty="0" smtClean="0"/>
+          </a:p>
+        </p:txBody>
+      </p:sp>
+    </p:spTree>
+  </p:cSld>
+  <p:clrMapOvr>
+    <a:masterClrMapping/>
+  </p:clrMapOvr>
+  <p:timing>
+    <p:tnLst>
+      <p:par>
+        <p:cTn id="1" dur="indefinite" restart="never" nodeType="tmRoot"/>
+      </p:par>
+    </p:tnLst>
+  </p:timing>
 </p:sld>
 </file>
 
